--- a/Web Services and Cloud Technologies/02. ASP.NET Web API/ASP.NET-Web-API.pptx
+++ b/Web Services and Cloud Technologies/02. ASP.NET Web API/ASP.NET-Web-API.pptx
@@ -5,10 +5,10 @@
     <p:sldMasterId id="2147483672" r:id="rId1"/>
   </p:sldMasterIdLst>
   <p:notesMasterIdLst>
-    <p:notesMasterId r:id="rId33"/>
+    <p:notesMasterId r:id="rId34"/>
   </p:notesMasterIdLst>
   <p:handoutMasterIdLst>
-    <p:handoutMasterId r:id="rId34"/>
+    <p:handoutMasterId r:id="rId35"/>
   </p:handoutMasterIdLst>
   <p:sldIdLst>
     <p:sldId id="570" r:id="rId2"/>
@@ -39,14 +39,15 @@
     <p:sldId id="840" r:id="rId27"/>
     <p:sldId id="846" r:id="rId28"/>
     <p:sldId id="460" r:id="rId29"/>
-    <p:sldId id="812" r:id="rId30"/>
-    <p:sldId id="835" r:id="rId31"/>
-    <p:sldId id="333" r:id="rId32"/>
+    <p:sldId id="847" r:id="rId30"/>
+    <p:sldId id="812" r:id="rId31"/>
+    <p:sldId id="835" r:id="rId32"/>
+    <p:sldId id="333" r:id="rId33"/>
   </p:sldIdLst>
   <p:sldSz cx="9144000" cy="6858000" type="screen4x3"/>
   <p:notesSz cx="6881813" cy="9296400"/>
   <p:custDataLst>
-    <p:tags r:id="rId35"/>
+    <p:tags r:id="rId36"/>
   </p:custDataLst>
   <p:defaultTextStyle>
     <a:defPPr>
@@ -222,6 +223,7 @@
         <p14:section name="Questions and Homework" id="{582018E1-BCD4-4B64-9021-AA7DC827860A}">
           <p14:sldIdLst>
             <p14:sldId id="460"/>
+            <p14:sldId id="847"/>
             <p14:sldId id="812"/>
             <p14:sldId id="835"/>
             <p14:sldId id="333"/>
@@ -230,7 +232,7 @@
       </p14:sectionLst>
     </p:ext>
     <p:ext uri="{EFAFB233-063F-42B5-8137-9DF3F51BA10A}">
-      <p15:sldGuideLst xmlns="" xmlns:p15="http://schemas.microsoft.com/office/powerpoint/2012/main">
+      <p15:sldGuideLst xmlns:p15="http://schemas.microsoft.com/office/powerpoint/2012/main" xmlns="">
         <p15:guide id="1" orient="horz" pos="2160">
           <p15:clr>
             <a:srgbClr val="A4A3A4"/>
@@ -244,7 +246,7 @@
       </p15:sldGuideLst>
     </p:ext>
     <p:ext uri="{2D200454-40CA-4A62-9FC3-DE9A4176ACB9}">
-      <p15:notesGuideLst xmlns="" xmlns:p15="http://schemas.microsoft.com/office/powerpoint/2012/main">
+      <p15:notesGuideLst xmlns:p15="http://schemas.microsoft.com/office/powerpoint/2012/main" xmlns="">
         <p15:guide id="1" orient="horz" pos="2928">
           <p15:clr>
             <a:srgbClr val="A4A3A4"/>
@@ -376,7 +378,7 @@
             <a:fld id="{3BF7C7B5-275F-4D1F-9AB4-9255447DBC73}" type="datetimeFigureOut">
               <a:rPr lang="en-US"/>
               <a:pPr/>
-              <a:t>9/8/2014</a:t>
+              <a:t>9/9/2014</a:t>
             </a:fld>
             <a:endParaRPr lang="en-US" dirty="0"/>
           </a:p>
@@ -607,7 +609,7 @@
             <a:fld id="{9B46F231-FB2B-4655-A644-E2477325E686}" type="datetimeFigureOut">
               <a:rPr lang="en-US"/>
               <a:pPr/>
-              <a:t>9/8/2014</a:t>
+              <a:t>9/9/2014</a:t>
             </a:fld>
             <a:endParaRPr lang="en-US" dirty="0"/>
           </a:p>
@@ -1272,6 +1274,91 @@
               <a:rPr lang="en-US" smtClean="0"/>
               <a:pPr/>
               <a:t>29</a:t>
+            </a:fld>
+            <a:endParaRPr lang="en-US" dirty="0"/>
+          </a:p>
+        </p:txBody>
+      </p:sp>
+    </p:spTree>
+    <p:extLst>
+      <p:ext uri="{BB962C8B-B14F-4D97-AF65-F5344CB8AC3E}">
+        <p14:creationId xmlns:p14="http://schemas.microsoft.com/office/powerpoint/2010/main" val="238311669"/>
+      </p:ext>
+    </p:extLst>
+  </p:cSld>
+  <p:clrMapOvr>
+    <a:masterClrMapping/>
+  </p:clrMapOvr>
+</p:notes>
+</file>
+
+<file path=ppt/notesSlides/notesSlide5.xml><?xml version="1.0" encoding="utf-8"?>
+<p:notes xmlns:a="http://schemas.openxmlformats.org/drawingml/2006/main" xmlns:r="http://schemas.openxmlformats.org/officeDocument/2006/relationships" xmlns:p="http://schemas.openxmlformats.org/presentationml/2006/main">
+  <p:cSld>
+    <p:spTree>
+      <p:nvGrpSpPr>
+        <p:cNvPr id="1" name=""/>
+        <p:cNvGrpSpPr/>
+        <p:nvPr/>
+      </p:nvGrpSpPr>
+      <p:grpSpPr>
+        <a:xfrm>
+          <a:off x="0" y="0"/>
+          <a:ext cx="0" cy="0"/>
+          <a:chOff x="0" y="0"/>
+          <a:chExt cx="0" cy="0"/>
+        </a:xfrm>
+      </p:grpSpPr>
+      <p:sp>
+        <p:nvSpPr>
+          <p:cNvPr id="2" name="Slide Image Placeholder 1"/>
+          <p:cNvSpPr>
+            <a:spLocks noGrp="1" noRot="1" noChangeAspect="1"/>
+          </p:cNvSpPr>
+          <p:nvPr>
+            <p:ph type="sldImg"/>
+          </p:nvPr>
+        </p:nvSpPr>
+        <p:spPr/>
+      </p:sp>
+      <p:sp>
+        <p:nvSpPr>
+          <p:cNvPr id="3" name="Notes Placeholder 2"/>
+          <p:cNvSpPr>
+            <a:spLocks noGrp="1"/>
+          </p:cNvSpPr>
+          <p:nvPr>
+            <p:ph type="body" idx="1"/>
+          </p:nvPr>
+        </p:nvSpPr>
+        <p:spPr/>
+        <p:txBody>
+          <a:bodyPr/>
+          <a:lstStyle/>
+          <a:p>
+            <a:endParaRPr lang="en-US" dirty="0"/>
+          </a:p>
+        </p:txBody>
+      </p:sp>
+      <p:sp>
+        <p:nvSpPr>
+          <p:cNvPr id="4" name="Slide Number Placeholder 3"/>
+          <p:cNvSpPr>
+            <a:spLocks noGrp="1"/>
+          </p:cNvSpPr>
+          <p:nvPr>
+            <p:ph type="sldNum" sz="quarter" idx="10"/>
+          </p:nvPr>
+        </p:nvSpPr>
+        <p:spPr/>
+        <p:txBody>
+          <a:bodyPr/>
+          <a:lstStyle/>
+          <a:p>
+            <a:fld id="{6FB4F6EA-423E-42DF-9292-215E7D886C4E}" type="slidenum">
+              <a:rPr lang="en-US" smtClean="0"/>
+              <a:pPr/>
+              <a:t>30</a:t>
             </a:fld>
             <a:endParaRPr lang="en-US" dirty="0"/>
           </a:p>
@@ -11021,11 +11108,7 @@
             </a:r>
             <a:r>
               <a:rPr lang="en-US" dirty="0" smtClean="0"/>
-              <a:t>is available </a:t>
-            </a:r>
-            <a:r>
-              <a:rPr lang="en-US" dirty="0" smtClean="0"/>
-              <a:t>in version 2</a:t>
+              <a:t>is available in version 2</a:t>
             </a:r>
           </a:p>
         </p:txBody>
@@ -17815,123 +17898,30 @@
             </a:pPr>
             <a:r>
               <a:rPr lang="en-US" dirty="0"/>
-              <a:t>Using ASP.NET Web API and Entity Framework (database first or code first) create </a:t>
+              <a:t>Using ASP.NET Web API </a:t>
             </a:r>
             <a:r>
               <a:rPr lang="en-US" dirty="0" smtClean="0"/>
-              <a:t>a database </a:t>
+              <a:t>create REST services for the Student System demo from Code First presentation in the Databases course.</a:t>
+            </a:r>
+            <a:br>
+              <a:rPr lang="en-US" dirty="0" smtClean="0"/>
+            </a:br>
+            <a:r>
+              <a:rPr lang="en-US" dirty="0" smtClean="0"/>
+              <a:t>Use high-quality code, use Repository pattern and create services for all available models.</a:t>
             </a:r>
             <a:r>
               <a:rPr lang="en-US" dirty="0"/>
-              <a:t>and web services with full CRUD (create, read, </a:t>
-            </a:r>
+              <a:t/>
+            </a:r>
+            <a:br>
+              <a:rPr lang="en-US" dirty="0"/>
+            </a:br>
             <a:r>
               <a:rPr lang="en-US" dirty="0" smtClean="0"/>
-              <a:t>update, delete) </a:t>
-            </a:r>
-            <a:r>
-              <a:rPr lang="en-US" dirty="0"/>
-              <a:t>operations for hierarchy of following classes:</a:t>
-            </a:r>
-          </a:p>
-          <a:p>
-            <a:pPr marL="1080000" lvl="1" indent="-514350">
-              <a:spcBef>
-                <a:spcPts val="0"/>
-              </a:spcBef>
-              <a:spcAft>
-                <a:spcPts val="300"/>
-              </a:spcAft>
-            </a:pPr>
-            <a:r>
-              <a:rPr lang="en-US" dirty="0" smtClean="0"/>
-              <a:t>Artists (Name, Country, </a:t>
-            </a:r>
-            <a:r>
-              <a:rPr lang="en-US" dirty="0" err="1" smtClean="0"/>
-              <a:t>DateOfBirth</a:t>
-            </a:r>
-            <a:r>
-              <a:rPr lang="en-US" dirty="0" smtClean="0"/>
-              <a:t>, etc.)</a:t>
-            </a:r>
-          </a:p>
-          <a:p>
-            <a:pPr marL="1080000" lvl="1" indent="-514350">
-              <a:spcBef>
-                <a:spcPts val="0"/>
-              </a:spcBef>
-              <a:spcAft>
-                <a:spcPts val="300"/>
-              </a:spcAft>
-            </a:pPr>
-            <a:r>
-              <a:rPr lang="en-US" dirty="0" smtClean="0"/>
-              <a:t>Albums (Title, Year, Producer, etc.)</a:t>
-            </a:r>
-          </a:p>
-          <a:p>
-            <a:pPr marL="1080000" lvl="1" indent="-514350">
-              <a:spcBef>
-                <a:spcPts val="0"/>
-              </a:spcBef>
-              <a:spcAft>
-                <a:spcPts val="300"/>
-              </a:spcAft>
-            </a:pPr>
-            <a:r>
-              <a:rPr lang="en-US" dirty="0" smtClean="0"/>
-              <a:t>Songs (Title, Year, Genre, etc.)</a:t>
-            </a:r>
-            <a:endParaRPr lang="en-US" dirty="0"/>
-          </a:p>
-          <a:p>
-            <a:pPr marL="1080000" lvl="1" indent="-514350">
-              <a:spcBef>
-                <a:spcPts val="0"/>
-              </a:spcBef>
-              <a:spcAft>
-                <a:spcPts val="300"/>
-              </a:spcAft>
-            </a:pPr>
-            <a:r>
-              <a:rPr lang="en-US" dirty="0" smtClean="0"/>
-              <a:t>Every album has a list of artists</a:t>
-            </a:r>
-          </a:p>
-          <a:p>
-            <a:pPr marL="1080000" lvl="1" indent="-514350">
-              <a:spcBef>
-                <a:spcPts val="0"/>
-              </a:spcBef>
-              <a:spcAft>
-                <a:spcPts val="300"/>
-              </a:spcAft>
-            </a:pPr>
-            <a:r>
-              <a:rPr lang="en-US" dirty="0"/>
-              <a:t>Every </a:t>
-            </a:r>
-            <a:r>
-              <a:rPr lang="en-US" dirty="0" smtClean="0"/>
-              <a:t>song has artist</a:t>
-            </a:r>
-            <a:endParaRPr lang="en-US" dirty="0"/>
-          </a:p>
-          <a:p>
-            <a:pPr marL="1080000" lvl="1" indent="-514350">
-              <a:spcBef>
-                <a:spcPts val="0"/>
-              </a:spcBef>
-              <a:spcAft>
-                <a:spcPts val="300"/>
-              </a:spcAft>
-            </a:pPr>
-            <a:r>
-              <a:rPr lang="en-US" dirty="0" smtClean="0"/>
-              <a:t>Every album has list of songs</a:t>
-            </a:r>
-            <a:endParaRPr lang="en-US" dirty="0"/>
+              <a:t>Do not use scaffolding.</a:t>
+            </a:r>
           </a:p>
         </p:txBody>
       </p:sp>
@@ -17967,7 +17957,7 @@
     </p:spTree>
     <p:extLst>
       <p:ext uri="{BB962C8B-B14F-4D97-AF65-F5344CB8AC3E}">
-        <p14:creationId xmlns:p14="http://schemas.microsoft.com/office/powerpoint/2010/main" val="2320107476"/>
+        <p14:creationId xmlns:p14="http://schemas.microsoft.com/office/powerpoint/2010/main" val="803198198"/>
       </p:ext>
     </p:extLst>
   </p:cSld>
@@ -18113,6 +18103,247 @@
       </p:grpSpPr>
       <p:sp>
         <p:nvSpPr>
+          <p:cNvPr id="4" name="Title 3"/>
+          <p:cNvSpPr>
+            <a:spLocks noGrp="1"/>
+          </p:cNvSpPr>
+          <p:nvPr>
+            <p:ph type="title"/>
+          </p:nvPr>
+        </p:nvSpPr>
+        <p:spPr/>
+        <p:txBody>
+          <a:bodyPr/>
+          <a:lstStyle/>
+          <a:p>
+            <a:r>
+              <a:rPr lang="en-US" dirty="0" smtClean="0"/>
+              <a:t>Homework</a:t>
+            </a:r>
+            <a:endParaRPr lang="en-US" dirty="0"/>
+          </a:p>
+        </p:txBody>
+      </p:sp>
+      <p:sp>
+        <p:nvSpPr>
+          <p:cNvPr id="5" name="Content Placeholder 4"/>
+          <p:cNvSpPr>
+            <a:spLocks noGrp="1"/>
+          </p:cNvSpPr>
+          <p:nvPr>
+            <p:ph idx="1"/>
+          </p:nvPr>
+        </p:nvSpPr>
+        <p:spPr>
+          <a:xfrm>
+            <a:off x="228600" y="762000"/>
+            <a:ext cx="8763000" cy="5867400"/>
+          </a:xfrm>
+        </p:spPr>
+        <p:txBody>
+          <a:bodyPr/>
+          <a:lstStyle/>
+          <a:p>
+            <a:pPr marL="514350" indent="-514350">
+              <a:spcBef>
+                <a:spcPts val="0"/>
+              </a:spcBef>
+              <a:spcAft>
+                <a:spcPts val="300"/>
+              </a:spcAft>
+              <a:buFont typeface="+mj-lt"/>
+              <a:buAutoNum type="arabicPeriod" startAt="2"/>
+            </a:pPr>
+            <a:r>
+              <a:rPr lang="en-US" dirty="0"/>
+              <a:t>Using ASP.NET Web API and Entity Framework (database first or code first) create </a:t>
+            </a:r>
+            <a:r>
+              <a:rPr lang="en-US" dirty="0" smtClean="0"/>
+              <a:t>a database </a:t>
+            </a:r>
+            <a:r>
+              <a:rPr lang="en-US" dirty="0"/>
+              <a:t>and web services with full CRUD (create, read, </a:t>
+            </a:r>
+            <a:r>
+              <a:rPr lang="en-US" dirty="0" smtClean="0"/>
+              <a:t>update, delete) </a:t>
+            </a:r>
+            <a:r>
+              <a:rPr lang="en-US" dirty="0"/>
+              <a:t>operations for hierarchy of following classes:</a:t>
+            </a:r>
+          </a:p>
+          <a:p>
+            <a:pPr marL="1080000" lvl="1" indent="-514350">
+              <a:spcBef>
+                <a:spcPts val="0"/>
+              </a:spcBef>
+              <a:spcAft>
+                <a:spcPts val="300"/>
+              </a:spcAft>
+            </a:pPr>
+            <a:r>
+              <a:rPr lang="en-US" dirty="0" smtClean="0"/>
+              <a:t>Artists (Name, Country, </a:t>
+            </a:r>
+            <a:r>
+              <a:rPr lang="en-US" dirty="0" err="1" smtClean="0"/>
+              <a:t>DateOfBirth</a:t>
+            </a:r>
+            <a:r>
+              <a:rPr lang="en-US" dirty="0" smtClean="0"/>
+              <a:t>, etc.)</a:t>
+            </a:r>
+          </a:p>
+          <a:p>
+            <a:pPr marL="1080000" lvl="1" indent="-514350">
+              <a:spcBef>
+                <a:spcPts val="0"/>
+              </a:spcBef>
+              <a:spcAft>
+                <a:spcPts val="300"/>
+              </a:spcAft>
+            </a:pPr>
+            <a:r>
+              <a:rPr lang="en-US" dirty="0" smtClean="0"/>
+              <a:t>Albums (Title, Year, Producer, etc.)</a:t>
+            </a:r>
+          </a:p>
+          <a:p>
+            <a:pPr marL="1080000" lvl="1" indent="-514350">
+              <a:spcBef>
+                <a:spcPts val="0"/>
+              </a:spcBef>
+              <a:spcAft>
+                <a:spcPts val="300"/>
+              </a:spcAft>
+            </a:pPr>
+            <a:r>
+              <a:rPr lang="en-US" dirty="0" smtClean="0"/>
+              <a:t>Songs (Title, Year, Genre, etc.)</a:t>
+            </a:r>
+            <a:endParaRPr lang="en-US" dirty="0"/>
+          </a:p>
+          <a:p>
+            <a:pPr marL="1080000" lvl="1" indent="-514350">
+              <a:spcBef>
+                <a:spcPts val="0"/>
+              </a:spcBef>
+              <a:spcAft>
+                <a:spcPts val="300"/>
+              </a:spcAft>
+            </a:pPr>
+            <a:r>
+              <a:rPr lang="en-US" dirty="0" smtClean="0"/>
+              <a:t>Every album has a list of artists</a:t>
+            </a:r>
+          </a:p>
+          <a:p>
+            <a:pPr marL="1080000" lvl="1" indent="-514350">
+              <a:spcBef>
+                <a:spcPts val="0"/>
+              </a:spcBef>
+              <a:spcAft>
+                <a:spcPts val="300"/>
+              </a:spcAft>
+            </a:pPr>
+            <a:r>
+              <a:rPr lang="en-US" dirty="0"/>
+              <a:t>Every </a:t>
+            </a:r>
+            <a:r>
+              <a:rPr lang="en-US" dirty="0" smtClean="0"/>
+              <a:t>song has artist</a:t>
+            </a:r>
+            <a:endParaRPr lang="en-US" dirty="0"/>
+          </a:p>
+          <a:p>
+            <a:pPr marL="1080000" lvl="1" indent="-514350">
+              <a:spcBef>
+                <a:spcPts val="0"/>
+              </a:spcBef>
+              <a:spcAft>
+                <a:spcPts val="300"/>
+              </a:spcAft>
+            </a:pPr>
+            <a:r>
+              <a:rPr lang="en-US" dirty="0" smtClean="0"/>
+              <a:t>Every album has list of songs</a:t>
+            </a:r>
+            <a:endParaRPr lang="en-US" dirty="0"/>
+          </a:p>
+        </p:txBody>
+      </p:sp>
+      <p:sp>
+        <p:nvSpPr>
+          <p:cNvPr id="2" name="Slide Number Placeholder 1"/>
+          <p:cNvSpPr>
+            <a:spLocks noGrp="1"/>
+          </p:cNvSpPr>
+          <p:nvPr>
+            <p:ph type="sldNum" sz="quarter" idx="10"/>
+          </p:nvPr>
+        </p:nvSpPr>
+        <p:spPr/>
+        <p:txBody>
+          <a:bodyPr/>
+          <a:lstStyle/>
+          <a:p>
+            <a:pPr>
+              <a:defRPr/>
+            </a:pPr>
+            <a:fld id="{58452FF4-89E3-4D1B-9927-2DBDC00E58D7}" type="slidenum">
+              <a:rPr lang="en-US" smtClean="0"/>
+              <a:pPr>
+                <a:defRPr/>
+              </a:pPr>
+              <a:t>30</a:t>
+            </a:fld>
+            <a:endParaRPr lang="en-US" dirty="0"/>
+          </a:p>
+        </p:txBody>
+      </p:sp>
+    </p:spTree>
+    <p:extLst>
+      <p:ext uri="{BB962C8B-B14F-4D97-AF65-F5344CB8AC3E}">
+        <p14:creationId xmlns:p14="http://schemas.microsoft.com/office/powerpoint/2010/main" val="2320107476"/>
+      </p:ext>
+    </p:extLst>
+  </p:cSld>
+  <p:clrMapOvr>
+    <a:masterClrMapping/>
+  </p:clrMapOvr>
+  <p:timing>
+    <p:tnLst>
+      <p:par>
+        <p:cTn id="1" dur="indefinite" restart="never" nodeType="tmRoot"/>
+      </p:par>
+    </p:tnLst>
+  </p:timing>
+</p:sld>
+</file>
+
+<file path=ppt/slides/slide31.xml><?xml version="1.0" encoding="utf-8"?>
+<p:sld xmlns:a="http://schemas.openxmlformats.org/drawingml/2006/main" xmlns:r="http://schemas.openxmlformats.org/officeDocument/2006/relationships" xmlns:p="http://schemas.openxmlformats.org/presentationml/2006/main">
+  <p:cSld>
+    <p:spTree>
+      <p:nvGrpSpPr>
+        <p:cNvPr id="1" name=""/>
+        <p:cNvGrpSpPr/>
+        <p:nvPr/>
+      </p:nvGrpSpPr>
+      <p:grpSpPr>
+        <a:xfrm>
+          <a:off x="0" y="0"/>
+          <a:ext cx="0" cy="0"/>
+          <a:chOff x="0" y="0"/>
+          <a:chExt cx="0" cy="0"/>
+        </a:xfrm>
+      </p:grpSpPr>
+      <p:sp>
+        <p:nvSpPr>
           <p:cNvPr id="2" name="Title 1"/>
           <p:cNvSpPr>
             <a:spLocks noGrp="1"/>
@@ -18156,7 +18387,7 @@
           <a:p>
             <a:pPr marL="514350" indent="-514350">
               <a:buFont typeface="+mj-lt"/>
-              <a:buAutoNum type="arabicPeriod" startAt="2"/>
+              <a:buAutoNum type="arabicPeriod" startAt="3"/>
             </a:pPr>
             <a:r>
               <a:rPr lang="en-US" dirty="0"/>
@@ -18178,7 +18409,7 @@
           <a:p>
             <a:pPr marL="514350" indent="-514350">
               <a:buFont typeface="+mj-lt"/>
-              <a:buAutoNum type="arabicPeriod" startAt="2"/>
+              <a:buAutoNum type="arabicPeriod" startAt="3"/>
             </a:pPr>
             <a:r>
               <a:rPr lang="en-US" dirty="0" smtClean="0"/>
@@ -18241,7 +18472,7 @@
               <a:pPr>
                 <a:defRPr/>
               </a:pPr>
-              <a:t>30</a:t>
+              <a:t>31</a:t>
             </a:fld>
             <a:endParaRPr lang="en-US" dirty="0"/>
           </a:p>
@@ -18267,7 +18498,7 @@
 </p:sld>
 </file>
 
-<file path=ppt/slides/slide31.xml><?xml version="1.0" encoding="utf-8"?>
+<file path=ppt/slides/slide32.xml><?xml version="1.0" encoding="utf-8"?>
 <p:sld xmlns:a="http://schemas.openxmlformats.org/drawingml/2006/main" xmlns:r="http://schemas.openxmlformats.org/officeDocument/2006/relationships" xmlns:p="http://schemas.openxmlformats.org/presentationml/2006/main">
   <p:cSld>
     <p:spTree>
@@ -18730,7 +18961,7 @@
               <a:pPr>
                 <a:defRPr/>
               </a:pPr>
-              <a:t>31</a:t>
+              <a:t>32</a:t>
             </a:fld>
             <a:endParaRPr lang="en-US" dirty="0"/>
           </a:p>
@@ -19241,11 +19472,7 @@
             </a:r>
             <a:r>
               <a:rPr lang="en-US" dirty="0" smtClean="0"/>
-              <a:t> PUT, POST, </a:t>
-            </a:r>
-            <a:r>
-              <a:rPr lang="en-US" dirty="0" smtClean="0"/>
-              <a:t>DELETE</a:t>
+              <a:t> PUT, POST, DELETE</a:t>
             </a:r>
             <a:endParaRPr lang="en-US" dirty="0"/>
           </a:p>
